--- a/Documentation/FinalPresentation.pptx
+++ b/Documentation/FinalPresentation.pptx
@@ -6,9 +6,12 @@
   </p:sldMasterIdLst>
   <p:sldIdLst>
     <p:sldId id="256" r:id="rId2"/>
-    <p:sldId id="257" r:id="rId3"/>
-    <p:sldId id="258" r:id="rId4"/>
-    <p:sldId id="259" r:id="rId5"/>
+    <p:sldId id="260" r:id="rId3"/>
+    <p:sldId id="257" r:id="rId4"/>
+    <p:sldId id="258" r:id="rId5"/>
+    <p:sldId id="259" r:id="rId6"/>
+    <p:sldId id="261" r:id="rId7"/>
+    <p:sldId id="262" r:id="rId8"/>
   </p:sldIdLst>
   <p:sldSz cx="12192000" cy="6858000"/>
   <p:notesSz cx="6858000" cy="9144000"/>
@@ -107,6 +110,11 @@
       </a:defRPr>
     </a:lvl9pPr>
   </p:defaultTextStyle>
+  <p:extLst>
+    <p:ext uri="{EFAFB233-063F-42B5-8137-9DF3F51BA10A}">
+      <p15:sldGuideLst xmlns:p15="http://schemas.microsoft.com/office/powerpoint/2012/main"/>
+    </p:ext>
+  </p:extLst>
 </p:presentation>
 </file>
 
@@ -335,7 +343,7 @@
             <a:fld id="{5586B75A-687E-405C-8A0B-8D00578BA2C3}" type="datetimeFigureOut">
               <a:rPr lang="en-US" dirty="0"/>
               <a:pPr/>
-              <a:t>2/27/2017</a:t>
+              <a:t>3/11/2017</a:t>
             </a:fld>
             <a:endParaRPr lang="en-US" dirty="0"/>
           </a:p>
@@ -502,7 +510,7 @@
             <a:fld id="{5586B75A-687E-405C-8A0B-8D00578BA2C3}" type="datetimeFigureOut">
               <a:rPr lang="en-US" dirty="0"/>
               <a:pPr/>
-              <a:t>2/27/2017</a:t>
+              <a:t>3/11/2017</a:t>
             </a:fld>
             <a:endParaRPr lang="en-US" dirty="0"/>
           </a:p>
@@ -679,7 +687,7 @@
             <a:fld id="{5586B75A-687E-405C-8A0B-8D00578BA2C3}" type="datetimeFigureOut">
               <a:rPr lang="en-US" dirty="0"/>
               <a:pPr/>
-              <a:t>2/27/2017</a:t>
+              <a:t>3/11/2017</a:t>
             </a:fld>
             <a:endParaRPr lang="en-US" dirty="0"/>
           </a:p>
@@ -846,7 +854,7 @@
             <a:fld id="{5586B75A-687E-405C-8A0B-8D00578BA2C3}" type="datetimeFigureOut">
               <a:rPr lang="en-US" dirty="0"/>
               <a:pPr/>
-              <a:t>2/27/2017</a:t>
+              <a:t>3/11/2017</a:t>
             </a:fld>
             <a:endParaRPr lang="en-US" dirty="0"/>
           </a:p>
@@ -1101,7 +1109,7 @@
             <a:fld id="{5586B75A-687E-405C-8A0B-8D00578BA2C3}" type="datetimeFigureOut">
               <a:rPr lang="en-US" dirty="0"/>
               <a:pPr/>
-              <a:t>2/27/2017</a:t>
+              <a:t>3/11/2017</a:t>
             </a:fld>
             <a:endParaRPr lang="en-US" dirty="0"/>
           </a:p>
@@ -1386,7 +1394,7 @@
             <a:fld id="{5586B75A-687E-405C-8A0B-8D00578BA2C3}" type="datetimeFigureOut">
               <a:rPr lang="en-US" dirty="0"/>
               <a:pPr/>
-              <a:t>2/27/2017</a:t>
+              <a:t>3/11/2017</a:t>
             </a:fld>
             <a:endParaRPr lang="en-US" dirty="0"/>
           </a:p>
@@ -1825,7 +1833,7 @@
             <a:fld id="{5586B75A-687E-405C-8A0B-8D00578BA2C3}" type="datetimeFigureOut">
               <a:rPr lang="en-US" dirty="0"/>
               <a:pPr/>
-              <a:t>2/27/2017</a:t>
+              <a:t>3/11/2017</a:t>
             </a:fld>
             <a:endParaRPr lang="en-US" dirty="0"/>
           </a:p>
@@ -1940,7 +1948,7 @@
             <a:fld id="{5586B75A-687E-405C-8A0B-8D00578BA2C3}" type="datetimeFigureOut">
               <a:rPr lang="en-US" dirty="0"/>
               <a:pPr/>
-              <a:t>2/27/2017</a:t>
+              <a:t>3/11/2017</a:t>
             </a:fld>
             <a:endParaRPr lang="en-US" dirty="0"/>
           </a:p>
@@ -2032,7 +2040,7 @@
             <a:fld id="{5586B75A-687E-405C-8A0B-8D00578BA2C3}" type="datetimeFigureOut">
               <a:rPr lang="en-US" dirty="0"/>
               <a:pPr/>
-              <a:t>2/27/2017</a:t>
+              <a:t>3/11/2017</a:t>
             </a:fld>
             <a:endParaRPr lang="en-US" dirty="0"/>
           </a:p>
@@ -2317,7 +2325,7 @@
             <a:fld id="{5586B75A-687E-405C-8A0B-8D00578BA2C3}" type="datetimeFigureOut">
               <a:rPr lang="en-US" dirty="0"/>
               <a:pPr/>
-              <a:t>2/27/2017</a:t>
+              <a:t>3/11/2017</a:t>
             </a:fld>
             <a:endParaRPr lang="en-US" dirty="0"/>
           </a:p>
@@ -2587,7 +2595,7 @@
             <a:fld id="{5586B75A-687E-405C-8A0B-8D00578BA2C3}" type="datetimeFigureOut">
               <a:rPr lang="en-US" dirty="0"/>
               <a:pPr/>
-              <a:t>2/27/2017</a:t>
+              <a:t>3/11/2017</a:t>
             </a:fld>
             <a:endParaRPr lang="en-US" dirty="0"/>
           </a:p>
@@ -2881,7 +2889,7 @@
             <a:fld id="{5586B75A-687E-405C-8A0B-8D00578BA2C3}" type="datetimeFigureOut">
               <a:rPr lang="en-US" dirty="0"/>
               <a:pPr/>
-              <a:t>2/27/2017</a:t>
+              <a:t>3/11/2017</a:t>
             </a:fld>
             <a:endParaRPr lang="en-US" dirty="0"/>
           </a:p>
@@ -3462,12 +3470,14 @@
         </p:nvSpPr>
         <p:spPr/>
         <p:txBody>
-          <a:bodyPr/>
-          <a:lstStyle/>
-          <a:p>
-            <a:r>
-              <a:rPr lang="en-PH" dirty="0"/>
-              <a:t>CAUSE</a:t>
+          <a:bodyPr>
+            <a:normAutofit/>
+          </a:bodyPr>
+          <a:lstStyle/>
+          <a:p>
+            <a:r>
+              <a:rPr lang="en-PH" sz="5400" dirty="0"/>
+              <a:t>What is poverty?</a:t>
             </a:r>
           </a:p>
         </p:txBody>
@@ -3484,17 +3494,55 @@
         </p:nvSpPr>
         <p:spPr/>
         <p:txBody>
-          <a:bodyPr/>
-          <a:lstStyle/>
-          <a:p>
-            <a:endParaRPr lang="en-PH"/>
+          <a:bodyPr>
+            <a:normAutofit/>
+          </a:bodyPr>
+          <a:lstStyle/>
+          <a:p>
+            <a:r>
+              <a:rPr lang="en-PH" sz="3200" dirty="0"/>
+              <a:t>Inability to provide for the basic requirements of minimum survival – like food, housing, clothing, and medical care. </a:t>
+            </a:r>
+          </a:p>
+          <a:p>
+            <a:pPr marL="0" indent="0">
+              <a:buNone/>
+            </a:pPr>
+            <a:endParaRPr lang="en-PH" sz="3200" dirty="0"/>
+          </a:p>
+          <a:p>
+            <a:pPr marL="502920" lvl="1" indent="0">
+              <a:buNone/>
+            </a:pPr>
+            <a:r>
+              <a:rPr lang="en-PH" sz="2400" dirty="0"/>
+              <a:t>		-</a:t>
+            </a:r>
+            <a:r>
+              <a:rPr lang="en-PH" sz="2400" dirty="0" err="1"/>
+              <a:t>Randolf</a:t>
+            </a:r>
+            <a:r>
+              <a:rPr lang="en-PH" sz="2400" dirty="0"/>
+              <a:t> S. David </a:t>
+            </a:r>
+          </a:p>
+          <a:p>
+            <a:pPr marL="502920" lvl="1" indent="0">
+              <a:buNone/>
+            </a:pPr>
+            <a:r>
+              <a:rPr lang="en-PH" sz="2400" i="1" dirty="0"/>
+              <a:t>		(Poverty in the Philippines: Its Social Roots)</a:t>
+            </a:r>
+            <a:endParaRPr lang="en-PH" sz="2400" i="1" dirty="0"/>
           </a:p>
         </p:txBody>
       </p:sp>
     </p:spTree>
     <p:extLst>
       <p:ext uri="{BB962C8B-B14F-4D97-AF65-F5344CB8AC3E}">
-        <p14:creationId xmlns:p14="http://schemas.microsoft.com/office/powerpoint/2010/main" val="1185365631"/>
+        <p14:creationId xmlns:p14="http://schemas.microsoft.com/office/powerpoint/2010/main" val="4149361278"/>
       </p:ext>
     </p:extLst>
   </p:cSld>
@@ -3533,12 +3581,14 @@
         </p:nvSpPr>
         <p:spPr/>
         <p:txBody>
-          <a:bodyPr/>
-          <a:lstStyle/>
-          <a:p>
-            <a:r>
-              <a:rPr lang="en-PH" dirty="0"/>
-              <a:t>EFFECT</a:t>
+          <a:bodyPr>
+            <a:normAutofit/>
+          </a:bodyPr>
+          <a:lstStyle/>
+          <a:p>
+            <a:r>
+              <a:rPr lang="en-PH" sz="5400" dirty="0"/>
+              <a:t>CAUSE</a:t>
             </a:r>
           </a:p>
         </p:txBody>
@@ -3555,17 +3605,40 @@
         </p:nvSpPr>
         <p:spPr/>
         <p:txBody>
-          <a:bodyPr/>
-          <a:lstStyle/>
-          <a:p>
-            <a:endParaRPr lang="en-PH"/>
+          <a:bodyPr>
+            <a:normAutofit/>
+          </a:bodyPr>
+          <a:lstStyle/>
+          <a:p>
+            <a:r>
+              <a:rPr lang="en-PH" sz="3200" dirty="0"/>
+              <a:t>Corruption</a:t>
+            </a:r>
+          </a:p>
+          <a:p>
+            <a:r>
+              <a:rPr lang="en-PH" sz="3200" dirty="0"/>
+              <a:t>Lack of access in education</a:t>
+            </a:r>
+          </a:p>
+          <a:p>
+            <a:r>
+              <a:rPr lang="en-PH" sz="3200" dirty="0"/>
+              <a:t>Large Population</a:t>
+            </a:r>
+          </a:p>
+          <a:p>
+            <a:endParaRPr lang="en-PH" sz="3200" dirty="0"/>
+          </a:p>
+          <a:p>
+            <a:endParaRPr lang="en-PH" sz="3200" dirty="0"/>
           </a:p>
         </p:txBody>
       </p:sp>
     </p:spTree>
     <p:extLst>
       <p:ext uri="{BB962C8B-B14F-4D97-AF65-F5344CB8AC3E}">
-        <p14:creationId xmlns:p14="http://schemas.microsoft.com/office/powerpoint/2010/main" val="820982349"/>
+        <p14:creationId xmlns:p14="http://schemas.microsoft.com/office/powerpoint/2010/main" val="1185365631"/>
       </p:ext>
     </p:extLst>
   </p:cSld>
@@ -3604,10 +3677,15 @@
         </p:nvSpPr>
         <p:spPr/>
         <p:txBody>
-          <a:bodyPr/>
-          <a:lstStyle/>
-          <a:p>
-            <a:endParaRPr lang="en-PH" dirty="0"/>
+          <a:bodyPr>
+            <a:normAutofit/>
+          </a:bodyPr>
+          <a:lstStyle/>
+          <a:p>
+            <a:r>
+              <a:rPr lang="en-PH" sz="5400" dirty="0"/>
+              <a:t>EFFECT</a:t>
+            </a:r>
           </a:p>
         </p:txBody>
       </p:sp>
@@ -3623,10 +3701,87 @@
         </p:nvSpPr>
         <p:spPr/>
         <p:txBody>
-          <a:bodyPr/>
-          <a:lstStyle/>
-          <a:p>
-            <a:endParaRPr lang="en-PH"/>
+          <a:bodyPr>
+            <a:normAutofit/>
+          </a:bodyPr>
+          <a:lstStyle/>
+          <a:p>
+            <a:endParaRPr lang="en-PH" sz="3200" dirty="0"/>
+          </a:p>
+        </p:txBody>
+      </p:sp>
+    </p:spTree>
+    <p:extLst>
+      <p:ext uri="{BB962C8B-B14F-4D97-AF65-F5344CB8AC3E}">
+        <p14:creationId xmlns:p14="http://schemas.microsoft.com/office/powerpoint/2010/main" val="820982349"/>
+      </p:ext>
+    </p:extLst>
+  </p:cSld>
+  <p:clrMapOvr>
+    <a:masterClrMapping/>
+  </p:clrMapOvr>
+</p:sld>
+</file>
+
+<file path=ppt/slides/slide5.xml><?xml version="1.0" encoding="utf-8"?>
+<p:sld xmlns:a="http://schemas.openxmlformats.org/drawingml/2006/main" xmlns:r="http://schemas.openxmlformats.org/officeDocument/2006/relationships" xmlns:p="http://schemas.openxmlformats.org/presentationml/2006/main">
+  <p:cSld>
+    <p:spTree>
+      <p:nvGrpSpPr>
+        <p:cNvPr id="1" name=""/>
+        <p:cNvGrpSpPr/>
+        <p:nvPr/>
+      </p:nvGrpSpPr>
+      <p:grpSpPr>
+        <a:xfrm>
+          <a:off x="0" y="0"/>
+          <a:ext cx="0" cy="0"/>
+          <a:chOff x="0" y="0"/>
+          <a:chExt cx="0" cy="0"/>
+        </a:xfrm>
+      </p:grpSpPr>
+      <p:sp>
+        <p:nvSpPr>
+          <p:cNvPr id="2" name="Title 1"/>
+          <p:cNvSpPr>
+            <a:spLocks noGrp="1"/>
+          </p:cNvSpPr>
+          <p:nvPr>
+            <p:ph type="title"/>
+          </p:nvPr>
+        </p:nvSpPr>
+        <p:spPr/>
+        <p:txBody>
+          <a:bodyPr>
+            <a:normAutofit/>
+          </a:bodyPr>
+          <a:lstStyle/>
+          <a:p>
+            <a:r>
+              <a:rPr lang="en-PH" sz="5400" dirty="0"/>
+              <a:t>DATA</a:t>
+            </a:r>
+          </a:p>
+        </p:txBody>
+      </p:sp>
+      <p:sp>
+        <p:nvSpPr>
+          <p:cNvPr id="3" name="Content Placeholder 2"/>
+          <p:cNvSpPr>
+            <a:spLocks noGrp="1"/>
+          </p:cNvSpPr>
+          <p:nvPr>
+            <p:ph idx="1"/>
+          </p:nvPr>
+        </p:nvSpPr>
+        <p:spPr/>
+        <p:txBody>
+          <a:bodyPr>
+            <a:normAutofit/>
+          </a:bodyPr>
+          <a:lstStyle/>
+          <a:p>
+            <a:endParaRPr lang="en-PH" sz="3200" dirty="0"/>
           </a:p>
         </p:txBody>
       </p:sp>
@@ -3634,6 +3789,226 @@
     <p:extLst>
       <p:ext uri="{BB962C8B-B14F-4D97-AF65-F5344CB8AC3E}">
         <p14:creationId xmlns:p14="http://schemas.microsoft.com/office/powerpoint/2010/main" val="3228077310"/>
+      </p:ext>
+    </p:extLst>
+  </p:cSld>
+  <p:clrMapOvr>
+    <a:masterClrMapping/>
+  </p:clrMapOvr>
+</p:sld>
+</file>
+
+<file path=ppt/slides/slide6.xml><?xml version="1.0" encoding="utf-8"?>
+<p:sld xmlns:a="http://schemas.openxmlformats.org/drawingml/2006/main" xmlns:r="http://schemas.openxmlformats.org/officeDocument/2006/relationships" xmlns:p="http://schemas.openxmlformats.org/presentationml/2006/main">
+  <p:cSld>
+    <p:spTree>
+      <p:nvGrpSpPr>
+        <p:cNvPr id="1" name=""/>
+        <p:cNvGrpSpPr/>
+        <p:nvPr/>
+      </p:nvGrpSpPr>
+      <p:grpSpPr>
+        <a:xfrm>
+          <a:off x="0" y="0"/>
+          <a:ext cx="0" cy="0"/>
+          <a:chOff x="0" y="0"/>
+          <a:chExt cx="0" cy="0"/>
+        </a:xfrm>
+      </p:grpSpPr>
+      <p:sp>
+        <p:nvSpPr>
+          <p:cNvPr id="2" name="Title 1"/>
+          <p:cNvSpPr>
+            <a:spLocks noGrp="1"/>
+          </p:cNvSpPr>
+          <p:nvPr>
+            <p:ph type="title"/>
+          </p:nvPr>
+        </p:nvSpPr>
+        <p:spPr/>
+        <p:txBody>
+          <a:bodyPr/>
+          <a:lstStyle/>
+          <a:p>
+            <a:r>
+              <a:rPr lang="en-PH" dirty="0"/>
+              <a:t>References</a:t>
+            </a:r>
+          </a:p>
+        </p:txBody>
+      </p:sp>
+      <p:sp>
+        <p:nvSpPr>
+          <p:cNvPr id="3" name="Content Placeholder 2"/>
+          <p:cNvSpPr>
+            <a:spLocks noGrp="1"/>
+          </p:cNvSpPr>
+          <p:nvPr>
+            <p:ph idx="1"/>
+          </p:nvPr>
+        </p:nvSpPr>
+        <p:spPr/>
+        <p:txBody>
+          <a:bodyPr/>
+          <a:lstStyle/>
+          <a:p>
+            <a:r>
+              <a:rPr lang="en-PH" dirty="0"/>
+              <a:t>David, </a:t>
+            </a:r>
+            <a:r>
+              <a:rPr lang="en-PH" dirty="0" err="1"/>
+              <a:t>Randolf</a:t>
+            </a:r>
+            <a:r>
+              <a:rPr lang="en-PH" dirty="0"/>
+              <a:t> S. </a:t>
+            </a:r>
+            <a:r>
+              <a:rPr lang="en-PH" i="1" dirty="0"/>
+              <a:t>Poverty in the Philippines: Its Social Roots. </a:t>
+            </a:r>
+            <a:r>
+              <a:rPr lang="en-PH" dirty="0"/>
+              <a:t>Retrieved from </a:t>
+            </a:r>
+            <a:r>
+              <a:rPr lang="en-PH" u="sng" dirty="0">
+                <a:hlinkClick r:id="rId2"/>
+              </a:rPr>
+              <a:t>https://www.google.com.ph/url?sa=t&amp;rct=j&amp;q=&amp;esrc=s&amp;source=web&amp;cd=22&amp;cad=rja&amp;uact=8&amp;ved=0ahUKEwjt75amxK3SAhWFvbwKHeOUAfU4FBAWCEMwAQ&amp;url=http%3A%2F%2Fjournals.upd.edu.ph%2Findex.php%2Fkasarinlan%2Farticle%2Fdownload%2F1038%2F1049&amp;usg=AFQjCNELe7dKWRppsYeaMItp4-BD8yJuhw&amp;sig2=IQvh9wkJtguStsHTGPheGQ&amp;bvm=bv.148073327,d.dGo</a:t>
+            </a:r>
+            <a:endParaRPr lang="en-PH" dirty="0"/>
+          </a:p>
+          <a:p>
+            <a:r>
+              <a:rPr lang="en-PH" i="1" dirty="0"/>
+              <a:t>Poverty in the Philippines: The impact of Family Size. </a:t>
+            </a:r>
+            <a:r>
+              <a:rPr lang="en-PH" dirty="0"/>
+              <a:t>Retrieved from </a:t>
+            </a:r>
+            <a:r>
+              <a:rPr lang="en-PH" dirty="0">
+                <a:hlinkClick r:id="rId3"/>
+              </a:rPr>
+              <a:t>http://www.eastwestcenter.org/fileadmin/stored/pdfs/p%26p021.pdf</a:t>
+            </a:r>
+            <a:endParaRPr lang="en-PH" dirty="0"/>
+          </a:p>
+          <a:p>
+            <a:r>
+              <a:rPr lang="en-PH" dirty="0"/>
+              <a:t>Ang, Alvin. </a:t>
+            </a:r>
+            <a:r>
+              <a:rPr lang="en-PH" i="1" dirty="0"/>
+              <a:t>We, the Facets of Material Economic Poverty. </a:t>
+            </a:r>
+            <a:r>
+              <a:rPr lang="en-PH" dirty="0"/>
+              <a:t>Retrieved from </a:t>
+            </a:r>
+            <a:r>
+              <a:rPr lang="en-PH" dirty="0">
+                <a:hlinkClick r:id="rId4"/>
+              </a:rPr>
+              <a:t>http://www.ceap.org.ph/upload/download/201510/2010226884_1.pdf</a:t>
+            </a:r>
+            <a:endParaRPr lang="en-PH" dirty="0"/>
+          </a:p>
+        </p:txBody>
+      </p:sp>
+    </p:spTree>
+    <p:extLst>
+      <p:ext uri="{BB962C8B-B14F-4D97-AF65-F5344CB8AC3E}">
+        <p14:creationId xmlns:p14="http://schemas.microsoft.com/office/powerpoint/2010/main" val="779907752"/>
+      </p:ext>
+    </p:extLst>
+  </p:cSld>
+  <p:clrMapOvr>
+    <a:masterClrMapping/>
+  </p:clrMapOvr>
+</p:sld>
+</file>
+
+<file path=ppt/slides/slide7.xml><?xml version="1.0" encoding="utf-8"?>
+<p:sld xmlns:a="http://schemas.openxmlformats.org/drawingml/2006/main" xmlns:r="http://schemas.openxmlformats.org/officeDocument/2006/relationships" xmlns:p="http://schemas.openxmlformats.org/presentationml/2006/main">
+  <p:cSld>
+    <p:spTree>
+      <p:nvGrpSpPr>
+        <p:cNvPr id="1" name=""/>
+        <p:cNvGrpSpPr/>
+        <p:nvPr/>
+      </p:nvGrpSpPr>
+      <p:grpSpPr>
+        <a:xfrm>
+          <a:off x="0" y="0"/>
+          <a:ext cx="0" cy="0"/>
+          <a:chOff x="0" y="0"/>
+          <a:chExt cx="0" cy="0"/>
+        </a:xfrm>
+      </p:grpSpPr>
+      <p:sp>
+        <p:nvSpPr>
+          <p:cNvPr id="2" name="Title 1"/>
+          <p:cNvSpPr>
+            <a:spLocks noGrp="1"/>
+          </p:cNvSpPr>
+          <p:nvPr>
+            <p:ph type="title"/>
+          </p:nvPr>
+        </p:nvSpPr>
+        <p:spPr/>
+        <p:txBody>
+          <a:bodyPr/>
+          <a:lstStyle/>
+          <a:p>
+            <a:r>
+              <a:rPr lang="en-PH" dirty="0"/>
+              <a:t>References</a:t>
+            </a:r>
+          </a:p>
+        </p:txBody>
+      </p:sp>
+      <p:sp>
+        <p:nvSpPr>
+          <p:cNvPr id="3" name="Content Placeholder 2"/>
+          <p:cNvSpPr>
+            <a:spLocks noGrp="1"/>
+          </p:cNvSpPr>
+          <p:nvPr>
+            <p:ph idx="1"/>
+          </p:nvPr>
+        </p:nvSpPr>
+        <p:spPr/>
+        <p:txBody>
+          <a:bodyPr/>
+          <a:lstStyle/>
+          <a:p>
+            <a:r>
+              <a:rPr lang="en-PH" i="1" dirty="0"/>
+              <a:t>Top 10 Reasons Why There is “Poor Philippines”. </a:t>
+            </a:r>
+            <a:r>
+              <a:rPr lang="en-PH" dirty="0"/>
+              <a:t>Retrieved from </a:t>
+            </a:r>
+            <a:r>
+              <a:rPr lang="en-PH" u="sng" dirty="0">
+                <a:hlinkClick r:id="rId2"/>
+              </a:rPr>
+              <a:t>http://joxcam.blogspot.com/2011/12/top-10-reasons-why-there-is-poor.html</a:t>
+            </a:r>
+            <a:endParaRPr lang="en-PH" i="1" dirty="0"/>
+          </a:p>
+        </p:txBody>
+      </p:sp>
+    </p:spTree>
+    <p:extLst>
+      <p:ext uri="{BB962C8B-B14F-4D97-AF65-F5344CB8AC3E}">
+        <p14:creationId xmlns:p14="http://schemas.microsoft.com/office/powerpoint/2010/main" val="1229110732"/>
       </p:ext>
     </p:extLst>
   </p:cSld>

--- a/Documentation/FinalPresentation.pptx
+++ b/Documentation/FinalPresentation.pptx
@@ -3535,7 +3535,6 @@
               <a:rPr lang="en-PH" sz="2400" i="1" dirty="0"/>
               <a:t>		(Poverty in the Philippines: Its Social Roots)</a:t>
             </a:r>
-            <a:endParaRPr lang="en-PH" sz="2400" i="1" dirty="0"/>
           </a:p>
         </p:txBody>
       </p:sp>
@@ -3625,6 +3624,12 @@
             <a:r>
               <a:rPr lang="en-PH" sz="3200" dirty="0"/>
               <a:t>Large Population</a:t>
+            </a:r>
+          </a:p>
+          <a:p>
+            <a:r>
+              <a:rPr lang="en-PH" sz="3200" dirty="0"/>
+              <a:t>Inflation</a:t>
             </a:r>
           </a:p>
           <a:p>
